--- a/final presentation.pptx
+++ b/final presentation.pptx
@@ -1221,12 +1221,8 @@
         <a:lstStyle/>
         <a:p>
           <a:r>
-            <a:rPr lang="en-US" dirty="0"/>
-            <a:t>Data for </a:t>
-          </a:r>
-          <a:r>
             <a:rPr lang="en-US" dirty="0" smtClean="0"/>
-            <a:t>Analysis</a:t>
+            <a:t>Data for Analysis</a:t>
           </a:r>
           <a:endParaRPr lang="en-US" dirty="0"/>
         </a:p>
@@ -1244,47 +1240,6 @@
       </dgm:t>
     </dgm:pt>
     <dgm:pt modelId="{12112633-B5DF-5547-ABA2-0EA7C05930A1}" type="sibTrans" cxnId="{895C9E38-02B7-9745-AA08-D81FE20CA676}">
-      <dgm:prSet/>
-      <dgm:spPr/>
-      <dgm:t>
-        <a:bodyPr/>
-        <a:lstStyle/>
-        <a:p>
-          <a:endParaRPr lang="en-US"/>
-        </a:p>
-      </dgm:t>
-    </dgm:pt>
-    <dgm:pt modelId="{634C8DEA-8E19-AE44-9BAA-20D856016C6D}">
-      <dgm:prSet/>
-      <dgm:spPr/>
-      <dgm:t>
-        <a:bodyPr/>
-        <a:lstStyle/>
-        <a:p>
-          <a:r>
-            <a:rPr lang="en-US" dirty="0" smtClean="0"/>
-            <a:t>U</a:t>
-          </a:r>
-          <a:r>
-            <a:rPr lang="en-US" altLang="zh-CN" dirty="0" smtClean="0"/>
-            <a:t>ser recommendation for specific user id and search associative users given a key word</a:t>
-          </a:r>
-          <a:endParaRPr lang="en-US" dirty="0"/>
-        </a:p>
-      </dgm:t>
-    </dgm:pt>
-    <dgm:pt modelId="{4DFDF63F-9B0B-C54A-A0EF-9357D8F50C3C}" type="parTrans" cxnId="{A2DA7908-7642-5B4D-923A-9D50F963EBBC}">
-      <dgm:prSet/>
-      <dgm:spPr/>
-      <dgm:t>
-        <a:bodyPr/>
-        <a:lstStyle/>
-        <a:p>
-          <a:endParaRPr lang="en-US"/>
-        </a:p>
-      </dgm:t>
-    </dgm:pt>
-    <dgm:pt modelId="{F7D661B7-5983-B94B-9793-AE3DA9FDE4C1}" type="sibTrans" cxnId="{A2DA7908-7642-5B4D-923A-9D50F963EBBC}">
       <dgm:prSet/>
       <dgm:spPr/>
       <dgm:t>
@@ -1321,6 +1276,47 @@
       </dgm:t>
     </dgm:pt>
     <dgm:pt modelId="{5D8660CD-BBBD-7645-A9B2-6257F48084DC}" type="sibTrans" cxnId="{FFA007EF-9B55-9945-A294-844A95604FA4}">
+      <dgm:prSet/>
+      <dgm:spPr/>
+      <dgm:t>
+        <a:bodyPr/>
+        <a:lstStyle/>
+        <a:p>
+          <a:endParaRPr lang="en-US"/>
+        </a:p>
+      </dgm:t>
+    </dgm:pt>
+    <dgm:pt modelId="{634C8DEA-8E19-AE44-9BAA-20D856016C6D}">
+      <dgm:prSet/>
+      <dgm:spPr/>
+      <dgm:t>
+        <a:bodyPr/>
+        <a:lstStyle/>
+        <a:p>
+          <a:r>
+            <a:rPr lang="en-US" dirty="0" smtClean="0"/>
+            <a:t>U</a:t>
+          </a:r>
+          <a:r>
+            <a:rPr lang="en-US" altLang="zh-CN" dirty="0" smtClean="0"/>
+            <a:t>ser recommendation for specific user id and search associative users given a key word</a:t>
+          </a:r>
+          <a:endParaRPr lang="en-US" dirty="0"/>
+        </a:p>
+      </dgm:t>
+    </dgm:pt>
+    <dgm:pt modelId="{F7D661B7-5983-B94B-9793-AE3DA9FDE4C1}" type="sibTrans" cxnId="{A2DA7908-7642-5B4D-923A-9D50F963EBBC}">
+      <dgm:prSet/>
+      <dgm:spPr/>
+      <dgm:t>
+        <a:bodyPr/>
+        <a:lstStyle/>
+        <a:p>
+          <a:endParaRPr lang="en-US"/>
+        </a:p>
+      </dgm:t>
+    </dgm:pt>
+    <dgm:pt modelId="{4DFDF63F-9B0B-C54A-A0EF-9357D8F50C3C}" type="parTrans" cxnId="{A2DA7908-7642-5B4D-923A-9D50F963EBBC}">
       <dgm:prSet/>
       <dgm:spPr/>
       <dgm:t>
@@ -2238,12 +2234,8 @@
             </a:spcAft>
           </a:pPr>
           <a:r>
-            <a:rPr lang="en-US" sz="1400" kern="1200" dirty="0"/>
-            <a:t>Data for </a:t>
-          </a:r>
-          <a:r>
             <a:rPr lang="en-US" sz="1400" kern="1200" dirty="0" smtClean="0"/>
-            <a:t>Analysis</a:t>
+            <a:t>Data for Analysis</a:t>
           </a:r>
           <a:endParaRPr lang="en-US" sz="1400" kern="1200" dirty="0"/>
         </a:p>
@@ -4074,7 +4066,7 @@
           <a:p>
             <a:fld id="{780B1F34-A253-E943-86BC-3D9F00975CD5}" type="datetimeFigureOut">
               <a:rPr lang="en-US" smtClean="0"/>
-              <a:t>4/18/2016</a:t>
+              <a:t>4/19/2016</a:t>
             </a:fld>
             <a:endParaRPr lang="en-US"/>
           </a:p>
@@ -4460,7 +4452,7 @@
           <a:p>
             <a:fld id="{780B1F34-A253-E943-86BC-3D9F00975CD5}" type="datetimeFigureOut">
               <a:rPr lang="en-US" smtClean="0"/>
-              <a:t>4/18/2016</a:t>
+              <a:t>4/19/2016</a:t>
             </a:fld>
             <a:endParaRPr lang="en-US"/>
           </a:p>
@@ -4643,7 +4635,7 @@
           <a:p>
             <a:fld id="{780B1F34-A253-E943-86BC-3D9F00975CD5}" type="datetimeFigureOut">
               <a:rPr lang="en-US" smtClean="0"/>
-              <a:t>4/18/2016</a:t>
+              <a:t>4/19/2016</a:t>
             </a:fld>
             <a:endParaRPr lang="en-US"/>
           </a:p>
@@ -4903,7 +4895,7 @@
           <a:p>
             <a:fld id="{780B1F34-A253-E943-86BC-3D9F00975CD5}" type="datetimeFigureOut">
               <a:rPr lang="en-US" smtClean="0"/>
-              <a:t>4/18/2016</a:t>
+              <a:t>4/19/2016</a:t>
             </a:fld>
             <a:endParaRPr lang="en-US"/>
           </a:p>
@@ -5211,7 +5203,7 @@
           <a:p>
             <a:fld id="{780B1F34-A253-E943-86BC-3D9F00975CD5}" type="datetimeFigureOut">
               <a:rPr lang="en-US" smtClean="0"/>
-              <a:t>4/18/2016</a:t>
+              <a:t>4/19/2016</a:t>
             </a:fld>
             <a:endParaRPr lang="en-US"/>
           </a:p>
@@ -5651,7 +5643,7 @@
           <a:p>
             <a:fld id="{780B1F34-A253-E943-86BC-3D9F00975CD5}" type="datetimeFigureOut">
               <a:rPr lang="en-US" smtClean="0"/>
-              <a:t>4/18/2016</a:t>
+              <a:t>4/19/2016</a:t>
             </a:fld>
             <a:endParaRPr lang="en-US"/>
           </a:p>
@@ -5795,7 +5787,7 @@
           <a:p>
             <a:fld id="{780B1F34-A253-E943-86BC-3D9F00975CD5}" type="datetimeFigureOut">
               <a:rPr lang="en-US" smtClean="0"/>
-              <a:t>4/18/2016</a:t>
+              <a:t>4/19/2016</a:t>
             </a:fld>
             <a:endParaRPr lang="en-US"/>
           </a:p>
@@ -5902,7 +5894,7 @@
           <a:p>
             <a:fld id="{780B1F34-A253-E943-86BC-3D9F00975CD5}" type="datetimeFigureOut">
               <a:rPr lang="en-US" smtClean="0"/>
-              <a:t>4/18/2016</a:t>
+              <a:t>4/19/2016</a:t>
             </a:fld>
             <a:endParaRPr lang="en-US"/>
           </a:p>
@@ -6193,7 +6185,7 @@
           <a:p>
             <a:fld id="{780B1F34-A253-E943-86BC-3D9F00975CD5}" type="datetimeFigureOut">
               <a:rPr lang="en-US" smtClean="0"/>
-              <a:t>4/18/2016</a:t>
+              <a:t>4/19/2016</a:t>
             </a:fld>
             <a:endParaRPr lang="en-US"/>
           </a:p>
@@ -6467,7 +6459,7 @@
           <a:p>
             <a:fld id="{780B1F34-A253-E943-86BC-3D9F00975CD5}" type="datetimeFigureOut">
               <a:rPr lang="en-US" smtClean="0"/>
-              <a:t>4/18/2016</a:t>
+              <a:t>4/19/2016</a:t>
             </a:fld>
             <a:endParaRPr lang="en-US"/>
           </a:p>
@@ -6689,7 +6681,7 @@
           <a:p>
             <a:fld id="{780B1F34-A253-E943-86BC-3D9F00975CD5}" type="datetimeFigureOut">
               <a:rPr lang="en-US" smtClean="0"/>
-              <a:t>4/18/2016</a:t>
+              <a:t>4/19/2016</a:t>
             </a:fld>
             <a:endParaRPr lang="en-US"/>
           </a:p>
@@ -7968,7 +7960,7 @@
         </p:blipFill>
         <p:spPr>
           <a:xfrm>
-            <a:off x="301752" y="1741773"/>
+            <a:off x="182880" y="1485741"/>
             <a:ext cx="8778240" cy="4114800"/>
           </a:xfrm>
           <a:prstGeom prst="rect">
